--- a/22_SimpleForm/22_SimpleForm.pptx
+++ b/22_SimpleForm/22_SimpleForm.pptx
@@ -6142,28 +6142,20 @@
               <a:buChar char="u"/>
             </a:pPr>
             <a:r>
+              <a:rPr lang="en-US" sz="1800">
+                <a:solidFill>
+                  <a:schemeClr val="tx1"/>
+                </a:solidFill>
+              </a:rPr>
+              <a:t>&gt; python </a:t>
+            </a:r>
+            <a:r>
               <a:rPr lang="en-US" sz="1800" dirty="0">
                 <a:solidFill>
                   <a:schemeClr val="tx1"/>
                 </a:solidFill>
               </a:rPr>
-              <a:t>&gt; </a:t>
-            </a:r>
-            <a:r>
-              <a:rPr lang="en-US" sz="1800" dirty="0" err="1">
-                <a:solidFill>
-                  <a:schemeClr val="tx1"/>
-                </a:solidFill>
-              </a:rPr>
-              <a:t>pyhton</a:t>
-            </a:r>
-            <a:r>
-              <a:rPr lang="en-US" sz="1800" dirty="0">
-                <a:solidFill>
-                  <a:schemeClr val="tx1"/>
-                </a:solidFill>
-              </a:rPr>
-              <a:t> manage.py migrate </a:t>
+              <a:t>manage.py migrate </a:t>
             </a:r>
           </a:p>
         </p:txBody>
